--- a/grade7/wjch/20191130-西游记名片.pptx
+++ b/grade7/wjch/20191130-西游记名片.pptx
@@ -123,6 +123,9 @@
     <p:ext uri="{EFAFB233-063F-42B5-8137-9DF3F51BA10A}">
       <p15:sldGuideLst xmlns:p15="http://schemas.microsoft.com/office/powerpoint/2012/main"/>
     </p:ext>
+    <p:ext uri="{2D200454-40CA-4A62-9FC3-DE9A4176ACB9}">
+      <p15:notesGuideLst xmlns:p15="http://schemas.microsoft.com/office/powerpoint/2012/main"/>
+    </p:ext>
   </p:extLst>
 </p:presentation>
 </file>
@@ -149,138 +152,6 @@
           <a:chExt cx="0" cy="0"/>
         </a:xfrm>
       </p:grpSpPr>
-      <p:sp>
-        <p:nvSpPr>
-          <p:cNvPr id="2" name="Header Placeholder 1"/>
-          <p:cNvSpPr>
-            <a:spLocks noGrp="1"/>
-          </p:cNvSpPr>
-          <p:nvPr>
-            <p:ph type="hdr" sz="quarter"/>
-          </p:nvPr>
-        </p:nvSpPr>
-        <p:spPr>
-          <a:xfrm>
-            <a:off x="0" y="1"/>
-            <a:ext cx="3962400" cy="344091"/>
-          </a:xfrm>
-          <a:prstGeom prst="rect">
-            <a:avLst/>
-          </a:prstGeom>
-        </p:spPr>
-        <p:txBody>
-          <a:bodyPr vert="horz" lIns="91440" tIns="45720" rIns="91440" bIns="45720" rtlCol="0"/>
-          <a:lstStyle>
-            <a:lvl1pPr algn="l">
-              <a:defRPr sz="1200"/>
-            </a:lvl1pPr>
-          </a:lstStyle>
-          <a:p>
-            <a:endParaRPr lang="zh-CN" altLang="en-US"/>
-          </a:p>
-        </p:txBody>
-      </p:sp>
-      <p:sp>
-        <p:nvSpPr>
-          <p:cNvPr id="3" name="Date Placeholder 2"/>
-          <p:cNvSpPr>
-            <a:spLocks noGrp="1"/>
-          </p:cNvSpPr>
-          <p:nvPr>
-            <p:ph type="dt" sz="quarter" idx="1"/>
-          </p:nvPr>
-        </p:nvSpPr>
-        <p:spPr>
-          <a:xfrm>
-            <a:off x="5179484" y="1"/>
-            <a:ext cx="3962400" cy="344091"/>
-          </a:xfrm>
-          <a:prstGeom prst="rect">
-            <a:avLst/>
-          </a:prstGeom>
-        </p:spPr>
-        <p:txBody>
-          <a:bodyPr vert="horz" lIns="91440" tIns="45720" rIns="91440" bIns="45720" rtlCol="0"/>
-          <a:lstStyle>
-            <a:lvl1pPr algn="r">
-              <a:defRPr sz="1200"/>
-            </a:lvl1pPr>
-          </a:lstStyle>
-          <a:p>
-            <a:fld id="{3AC2685B-FC1B-4621-9D21-103057D47D01}" type="datetimeFigureOut">
-              <a:rPr lang="zh-CN" altLang="en-US" smtClean="0"/>
-              <a:t>2019/11/30</a:t>
-            </a:fld>
-            <a:endParaRPr lang="zh-CN" altLang="en-US"/>
-          </a:p>
-        </p:txBody>
-      </p:sp>
-      <p:sp>
-        <p:nvSpPr>
-          <p:cNvPr id="4" name="Footer Placeholder 3"/>
-          <p:cNvSpPr>
-            <a:spLocks noGrp="1"/>
-          </p:cNvSpPr>
-          <p:nvPr>
-            <p:ph type="ftr" sz="quarter" idx="2"/>
-          </p:nvPr>
-        </p:nvSpPr>
-        <p:spPr>
-          <a:xfrm>
-            <a:off x="0" y="6513910"/>
-            <a:ext cx="3962400" cy="344090"/>
-          </a:xfrm>
-          <a:prstGeom prst="rect">
-            <a:avLst/>
-          </a:prstGeom>
-        </p:spPr>
-        <p:txBody>
-          <a:bodyPr vert="horz" lIns="91440" tIns="45720" rIns="91440" bIns="45720" rtlCol="0" anchor="b"/>
-          <a:lstStyle>
-            <a:lvl1pPr algn="l">
-              <a:defRPr sz="1200"/>
-            </a:lvl1pPr>
-          </a:lstStyle>
-          <a:p>
-            <a:endParaRPr lang="zh-CN" altLang="en-US"/>
-          </a:p>
-        </p:txBody>
-      </p:sp>
-      <p:sp>
-        <p:nvSpPr>
-          <p:cNvPr id="5" name="Slide Number Placeholder 4"/>
-          <p:cNvSpPr>
-            <a:spLocks noGrp="1"/>
-          </p:cNvSpPr>
-          <p:nvPr>
-            <p:ph type="sldNum" sz="quarter" idx="3"/>
-          </p:nvPr>
-        </p:nvSpPr>
-        <p:spPr>
-          <a:xfrm>
-            <a:off x="5179484" y="6513910"/>
-            <a:ext cx="3962400" cy="344090"/>
-          </a:xfrm>
-          <a:prstGeom prst="rect">
-            <a:avLst/>
-          </a:prstGeom>
-        </p:spPr>
-        <p:txBody>
-          <a:bodyPr vert="horz" lIns="91440" tIns="45720" rIns="91440" bIns="45720" rtlCol="0" anchor="b"/>
-          <a:lstStyle>
-            <a:lvl1pPr algn="r">
-              <a:defRPr sz="1200"/>
-            </a:lvl1pPr>
-          </a:lstStyle>
-          <a:p>
-            <a:fld id="{1FF57769-2D34-4FDA-974A-C753A7FD97AC}" type="slidenum">
-              <a:rPr lang="zh-CN" altLang="en-US" smtClean="0"/>
-              <a:t>‹#›</a:t>
-            </a:fld>
-            <a:endParaRPr lang="zh-CN" altLang="en-US"/>
-          </a:p>
-        </p:txBody>
-      </p:sp>
     </p:spTree>
     <p:extLst>
       <p:ext uri="{BB962C8B-B14F-4D97-AF65-F5344CB8AC3E}">
@@ -289,6 +160,7 @@
     </p:extLst>
   </p:cSld>
   <p:clrMap bg1="lt1" tx1="dk1" bg2="lt2" tx2="dk2" accent1="accent1" accent2="accent2" accent3="accent3" accent4="accent4" accent5="accent5" accent6="accent6" hlink="hlink" folHlink="folHlink"/>
+  <p:hf sldNum="0" hdr="0" ftr="0" dt="0"/>
 </p:handoutMaster>
 </file>
 
@@ -326,7 +198,7 @@
         </p:nvSpPr>
         <p:spPr>
           <a:xfrm>
-            <a:off x="0" y="1"/>
+            <a:off x="0" y="2"/>
             <a:ext cx="3962400" cy="344091"/>
           </a:xfrm>
           <a:prstGeom prst="rect">
@@ -357,7 +229,7 @@
         </p:nvSpPr>
         <p:spPr>
           <a:xfrm>
-            <a:off x="5179484" y="1"/>
+            <a:off x="5179484" y="2"/>
             <a:ext cx="3962400" cy="344091"/>
           </a:xfrm>
           <a:prstGeom prst="rect">
@@ -374,7 +246,7 @@
           <a:p>
             <a:fld id="{AE7E7EAC-8A9D-4488-8129-B855E8410037}" type="datetimeFigureOut">
               <a:rPr lang="zh-CN" altLang="en-US" smtClean="0"/>
-              <a:t>2019/11/30</a:t>
+              <a:t>2019/12/1</a:t>
             </a:fld>
             <a:endParaRPr lang="zh-CN" altLang="en-US"/>
           </a:p>
@@ -547,6 +419,7 @@
     </p:extLst>
   </p:cSld>
   <p:clrMap bg1="lt1" tx1="dk1" bg2="lt2" tx2="dk2" accent1="accent1" accent2="accent2" accent3="accent3" accent4="accent4" accent5="accent5" accent6="accent6" hlink="hlink" folHlink="folHlink"/>
+  <p:hf sldNum="0" hdr="0" ftr="0" dt="0"/>
   <p:notesStyle>
     <a:lvl1pPr marL="0" algn="l" defTabSz="914400" rtl="0" eaLnBrk="1" latinLnBrk="0" hangingPunct="1">
       <a:defRPr sz="1200" kern="1200">
@@ -690,29 +563,6 @@
           </a:p>
         </p:txBody>
       </p:sp>
-      <p:sp>
-        <p:nvSpPr>
-          <p:cNvPr id="4" name="Slide Number Placeholder 3"/>
-          <p:cNvSpPr>
-            <a:spLocks noGrp="1"/>
-          </p:cNvSpPr>
-          <p:nvPr>
-            <p:ph type="sldNum" sz="quarter" idx="10"/>
-          </p:nvPr>
-        </p:nvSpPr>
-        <p:spPr/>
-        <p:txBody>
-          <a:bodyPr/>
-          <a:lstStyle/>
-          <a:p>
-            <a:fld id="{BA385E0B-E350-43D4-B7CA-0E4A85047108}" type="slidenum">
-              <a:rPr lang="zh-CN" altLang="en-US" smtClean="0"/>
-              <a:t>8</a:t>
-            </a:fld>
-            <a:endParaRPr lang="zh-CN" altLang="en-US"/>
-          </a:p>
-        </p:txBody>
-      </p:sp>
     </p:spTree>
     <p:extLst>
       <p:ext uri="{BB962C8B-B14F-4D97-AF65-F5344CB8AC3E}">
@@ -974,8 +824,8 @@
         </p:nvSpPr>
         <p:spPr>
           <a:xfrm>
-            <a:off x="2636196" y="1854239"/>
-            <a:ext cx="4823968" cy="454063"/>
+            <a:off x="2636195" y="1854239"/>
+            <a:ext cx="6028295" cy="454063"/>
           </a:xfrm>
         </p:spPr>
         <p:txBody>
@@ -985,7 +835,7 @@
           <a:lstStyle>
             <a:lvl1pPr marL="0" indent="0">
               <a:buNone/>
-              <a:defRPr sz="2800"/>
+              <a:defRPr sz="3600"/>
             </a:lvl1pPr>
           </a:lstStyle>
           <a:p>
@@ -1021,7 +871,7 @@
             <a:lvl1pPr marL="342900" indent="-342900">
               <a:buFont typeface="Wingdings" panose="05000000000000000000" pitchFamily="2" charset="2"/>
               <a:buChar char="Ø"/>
-              <a:defRPr lang="zh-CN" altLang="en-US" sz="2000" kern="1200" dirty="0">
+              <a:defRPr lang="zh-CN" altLang="en-US" sz="2800" kern="1200" dirty="0">
                 <a:solidFill>
                   <a:schemeClr val="tx1"/>
                 </a:solidFill>
@@ -1049,7 +899,7 @@
         </p:nvSpPr>
         <p:spPr>
           <a:xfrm>
-            <a:off x="3214446" y="2488138"/>
+            <a:off x="3214446" y="2398930"/>
             <a:ext cx="4235990" cy="474785"/>
           </a:xfrm>
         </p:spPr>
@@ -1077,7 +927,7 @@
         </p:nvSpPr>
         <p:spPr>
           <a:xfrm>
-            <a:off x="2733676" y="2439499"/>
+            <a:off x="2733676" y="2350291"/>
             <a:ext cx="544545" cy="461665"/>
           </a:xfrm>
           <a:prstGeom prst="rect">
@@ -1304,7 +1154,7 @@
           <a:p>
             <a:fld id="{51AC3937-7027-0849-9BBC-F6196C8D5461}" type="datetimeFigureOut">
               <a:rPr kumimoji="1" lang="zh-CN" altLang="en-US" smtClean="0"/>
-              <a:t>2019/11/30</a:t>
+              <a:t>2019/12/1</a:t>
             </a:fld>
             <a:endParaRPr kumimoji="1" lang="zh-CN" altLang="en-US"/>
           </a:p>
@@ -1914,10 +1764,9 @@
           <a:lstStyle/>
           <a:p>
             <a:r>
-              <a:rPr lang="zh-CN" altLang="en-US"/>
+              <a:rPr lang="zh-CN" altLang="en-US" dirty="0"/>
               <a:t>孙悟空</a:t>
             </a:r>
-            <a:endParaRPr lang="zh-CN" altLang="en-US" dirty="0"/>
           </a:p>
         </p:txBody>
       </p:sp>
@@ -1933,8 +1782,8 @@
         </p:nvSpPr>
         <p:spPr>
           <a:xfrm>
-            <a:off x="2733676" y="3142759"/>
-            <a:ext cx="8828209" cy="2953849"/>
+            <a:off x="2636195" y="2722515"/>
+            <a:ext cx="8828209" cy="3133685"/>
           </a:xfrm>
         </p:spPr>
         <p:txBody>
@@ -1946,16 +1795,6 @@
               <a:t>中文名：孙悟空、孙行者</a:t>
             </a:r>
             <a:endParaRPr lang="en-US" altLang="zh-CN" dirty="0"/>
-          </a:p>
-          <a:p>
-            <a:r>
-              <a:rPr lang="zh-CN" altLang="en-US" dirty="0"/>
-              <a:t>外文名：</a:t>
-            </a:r>
-            <a:r>
-              <a:rPr lang="en-US" altLang="zh-CN" dirty="0"/>
-              <a:t>The Monkey King</a:t>
-            </a:r>
           </a:p>
           <a:p>
             <a:r>
@@ -2024,13 +1863,18 @@
             <p:ph type="body" sz="quarter" idx="19"/>
           </p:nvPr>
         </p:nvSpPr>
-        <p:spPr/>
+        <p:spPr>
+          <a:xfrm>
+            <a:off x="3214446" y="2406077"/>
+            <a:ext cx="4235990" cy="474785"/>
+          </a:xfrm>
+        </p:spPr>
         <p:txBody>
           <a:bodyPr/>
           <a:lstStyle/>
           <a:p>
             <a:r>
-              <a:rPr lang="en-US" altLang="zh-CN"/>
+              <a:rPr lang="en-US" altLang="zh-CN" dirty="0"/>
               <a:t>10</a:t>
             </a:r>
             <a:endParaRPr lang="zh-CN" altLang="en-US" dirty="0"/>
@@ -2332,48 +2176,47 @@
           <a:lstStyle/>
           <a:p>
             <a:r>
-              <a:rPr lang="zh-CN" altLang="en-US"/>
+              <a:rPr lang="zh-CN" altLang="en-US" dirty="0"/>
               <a:t>中文名：太上老君</a:t>
             </a:r>
-            <a:endParaRPr lang="en-US" altLang="zh-CN"/>
-          </a:p>
-          <a:p>
-            <a:r>
-              <a:rPr lang="zh-CN" altLang="en-US"/>
+            <a:endParaRPr lang="en-US" altLang="zh-CN" dirty="0"/>
+          </a:p>
+          <a:p>
+            <a:r>
+              <a:rPr lang="zh-CN" altLang="en-US" dirty="0"/>
               <a:t>外文名：</a:t>
             </a:r>
             <a:r>
-              <a:rPr lang="en-US" altLang="zh-CN"/>
+              <a:rPr lang="en-US" altLang="zh-CN" dirty="0"/>
               <a:t>Senior moral</a:t>
             </a:r>
           </a:p>
           <a:p>
             <a:r>
-              <a:rPr lang="zh-CN" altLang="en-US"/>
-              <a:t>别    名：太上无极大道、元阳上帝、道祖、上德皇帝等</a:t>
-            </a:r>
-            <a:endParaRPr lang="en-US" altLang="zh-CN"/>
-          </a:p>
-          <a:p>
-            <a:r>
-              <a:rPr lang="zh-CN" altLang="en-US"/>
+              <a:rPr lang="zh-CN" altLang="en-US" dirty="0"/>
+              <a:t>别    名：太上无极大道、元阳上帝、道祖等</a:t>
+            </a:r>
+            <a:endParaRPr lang="en-US" altLang="zh-CN" dirty="0"/>
+          </a:p>
+          <a:p>
+            <a:r>
+              <a:rPr lang="zh-CN" altLang="en-US" dirty="0"/>
               <a:t>出生日期：无始无终</a:t>
             </a:r>
-            <a:endParaRPr lang="en-US" altLang="zh-CN"/>
-          </a:p>
-          <a:p>
-            <a:r>
-              <a:rPr lang="zh-CN" altLang="en-US"/>
+            <a:endParaRPr lang="en-US" altLang="zh-CN" dirty="0"/>
+          </a:p>
+          <a:p>
+            <a:r>
+              <a:rPr lang="zh-CN" altLang="en-US" dirty="0"/>
               <a:t>逝世日期：永生不灭</a:t>
             </a:r>
-            <a:endParaRPr lang="en-US" altLang="zh-CN"/>
-          </a:p>
-          <a:p>
-            <a:r>
-              <a:rPr lang="zh-CN" altLang="en-US"/>
+            <a:endParaRPr lang="en-US" altLang="zh-CN" dirty="0"/>
+          </a:p>
+          <a:p>
+            <a:r>
+              <a:rPr lang="zh-CN" altLang="en-US" dirty="0"/>
               <a:t>主要成就：道教创始者、道祖</a:t>
             </a:r>
-            <a:endParaRPr lang="zh-CN" altLang="en-US" dirty="0"/>
           </a:p>
         </p:txBody>
       </p:sp>
@@ -2680,58 +2523,62 @@
             <p:ph type="body" sz="quarter" idx="18"/>
           </p:nvPr>
         </p:nvSpPr>
-        <p:spPr/>
+        <p:spPr>
+          <a:xfrm>
+            <a:off x="2733676" y="3142759"/>
+            <a:ext cx="8828209" cy="2953849"/>
+          </a:xfrm>
+        </p:spPr>
         <p:txBody>
           <a:bodyPr/>
           <a:lstStyle/>
           <a:p>
             <a:r>
-              <a:rPr lang="zh-CN" altLang="en-US"/>
+              <a:rPr lang="zh-CN" altLang="en-US" dirty="0"/>
               <a:t>中文名：东极青华大帝太乙救苦天尊</a:t>
             </a:r>
-            <a:endParaRPr lang="en-US" altLang="zh-CN"/>
-          </a:p>
-          <a:p>
-            <a:r>
-              <a:rPr lang="zh-CN" altLang="en-US"/>
-              <a:t>其他名称：大慈仁者、救苦天尊、慈尊、青玄上帝、寻声救苦天尊</a:t>
-            </a:r>
-            <a:endParaRPr lang="en-US" altLang="zh-CN"/>
-          </a:p>
-          <a:p>
-            <a:r>
-              <a:rPr lang="zh-CN" altLang="en-US"/>
+            <a:endParaRPr lang="en-US" altLang="zh-CN" dirty="0"/>
+          </a:p>
+          <a:p>
+            <a:r>
+              <a:rPr lang="zh-CN" altLang="en-US" dirty="0"/>
+              <a:t>其他名称：大慈仁者、救苦天尊、寻声救苦天尊</a:t>
+            </a:r>
+            <a:endParaRPr lang="en-US" altLang="zh-CN" dirty="0"/>
+          </a:p>
+          <a:p>
+            <a:r>
+              <a:rPr lang="zh-CN" altLang="en-US" dirty="0"/>
               <a:t>所    属：道教</a:t>
             </a:r>
-            <a:endParaRPr lang="en-US" altLang="zh-CN"/>
-          </a:p>
-          <a:p>
-            <a:r>
-              <a:rPr lang="zh-CN" altLang="en-US"/>
+            <a:endParaRPr lang="en-US" altLang="zh-CN" dirty="0"/>
+          </a:p>
+          <a:p>
+            <a:r>
+              <a:rPr lang="zh-CN" altLang="en-US" dirty="0"/>
               <a:t>居    所：青华长乐界东极妙严宫</a:t>
             </a:r>
-            <a:endParaRPr lang="en-US" altLang="zh-CN"/>
-          </a:p>
-          <a:p>
-            <a:r>
-              <a:rPr lang="zh-CN" altLang="en-US"/>
-              <a:t>司    掌：救度群生，救拔幽苦；教化众生、超生脱死</a:t>
-            </a:r>
-            <a:endParaRPr lang="en-US" altLang="zh-CN"/>
-          </a:p>
-          <a:p>
-            <a:r>
-              <a:rPr lang="zh-CN" altLang="en-US"/>
-              <a:t>象    征：七宝芳骞林、九色莲花座、杨枝、耀焰、九头狮子</a:t>
-            </a:r>
-            <a:endParaRPr lang="en-US" altLang="zh-CN"/>
-          </a:p>
-          <a:p>
-            <a:r>
-              <a:rPr lang="zh-CN" altLang="en-US"/>
+            <a:endParaRPr lang="en-US" altLang="zh-CN" dirty="0"/>
+          </a:p>
+          <a:p>
+            <a:r>
+              <a:rPr lang="zh-CN" altLang="en-US" dirty="0"/>
+              <a:t>司    掌：救度群生，救拔幽苦；教化众生</a:t>
+            </a:r>
+            <a:endParaRPr lang="en-US" altLang="zh-CN" dirty="0"/>
+          </a:p>
+          <a:p>
+            <a:r>
+              <a:rPr lang="zh-CN" altLang="en-US" dirty="0"/>
+              <a:t>象    征：七宝芳骞林、九色莲花座</a:t>
+            </a:r>
+            <a:endParaRPr lang="en-US" altLang="zh-CN" dirty="0"/>
+          </a:p>
+          <a:p>
+            <a:r>
+              <a:rPr lang="zh-CN" altLang="en-US" dirty="0"/>
               <a:t>坐    骑：九头狮子</a:t>
             </a:r>
-            <a:endParaRPr lang="zh-CN" altLang="en-US" dirty="0"/>
           </a:p>
         </p:txBody>
       </p:sp>
@@ -2859,76 +2706,62 @@
             <p:ph type="body" sz="quarter" idx="18"/>
           </p:nvPr>
         </p:nvSpPr>
-        <p:spPr/>
+        <p:spPr>
+          <a:xfrm>
+            <a:off x="2733676" y="3072774"/>
+            <a:ext cx="8828209" cy="2953849"/>
+          </a:xfrm>
+        </p:spPr>
         <p:txBody>
           <a:bodyPr/>
           <a:lstStyle/>
           <a:p>
             <a:r>
-              <a:rPr lang="zh-CN" altLang="en-US"/>
+              <a:rPr lang="zh-CN" altLang="en-US" dirty="0"/>
               <a:t>中文名：弥勒佛，大肚弥勒，天冠弥勒菩萨</a:t>
             </a:r>
-            <a:endParaRPr lang="en-US" altLang="zh-CN"/>
-          </a:p>
-          <a:p>
-            <a:r>
-              <a:rPr lang="zh-CN" altLang="en-US"/>
-              <a:t>外文名：梵文</a:t>
-            </a:r>
-            <a:r>
-              <a:rPr lang="en-US" altLang="zh-CN"/>
-              <a:t>Maitreya</a:t>
-            </a:r>
-            <a:r>
-              <a:rPr lang="zh-CN" altLang="en-US"/>
-              <a:t>，巴利文</a:t>
-            </a:r>
-            <a:r>
-              <a:rPr lang="en-US" altLang="zh-CN"/>
-              <a:t>Metteyya</a:t>
-            </a:r>
-          </a:p>
-          <a:p>
-            <a:r>
-              <a:rPr lang="zh-CN" altLang="en-US"/>
+            <a:endParaRPr lang="en-US" altLang="zh-CN" dirty="0"/>
+          </a:p>
+          <a:p>
+            <a:r>
+              <a:rPr lang="zh-CN" altLang="en-US" dirty="0"/>
               <a:t>别    名：阿逸多菩萨摩诃萨</a:t>
             </a:r>
-            <a:endParaRPr lang="en-US" altLang="zh-CN"/>
-          </a:p>
-          <a:p>
-            <a:r>
-              <a:rPr lang="zh-CN" altLang="en-US"/>
+            <a:endParaRPr lang="en-US" altLang="zh-CN" dirty="0"/>
+          </a:p>
+          <a:p>
+            <a:r>
+              <a:rPr lang="zh-CN" altLang="en-US" dirty="0"/>
               <a:t>民    族：婆罗门</a:t>
             </a:r>
-            <a:endParaRPr lang="en-US" altLang="zh-CN"/>
-          </a:p>
-          <a:p>
-            <a:r>
-              <a:rPr lang="zh-CN" altLang="en-US"/>
+            <a:endParaRPr lang="en-US" altLang="zh-CN" dirty="0"/>
+          </a:p>
+          <a:p>
+            <a:r>
+              <a:rPr lang="zh-CN" altLang="en-US" dirty="0"/>
               <a:t>出生地：古印度</a:t>
             </a:r>
-            <a:endParaRPr lang="en-US" altLang="zh-CN"/>
-          </a:p>
-          <a:p>
-            <a:r>
-              <a:rPr lang="zh-CN" altLang="en-US"/>
-              <a:t>主要成就：中国大乘佛教八大菩萨之一，未来娑婆世界教主 </a:t>
-            </a:r>
-            <a:endParaRPr lang="en-US" altLang="zh-CN"/>
-          </a:p>
-          <a:p>
-            <a:r>
-              <a:rPr lang="zh-CN" altLang="en-US"/>
+            <a:endParaRPr lang="en-US" altLang="zh-CN" dirty="0"/>
+          </a:p>
+          <a:p>
+            <a:r>
+              <a:rPr lang="zh-CN" altLang="en-US" dirty="0"/>
+              <a:t>主要成就：中国大乘佛教八大菩萨之一 </a:t>
+            </a:r>
+            <a:endParaRPr lang="en-US" altLang="zh-CN" dirty="0"/>
+          </a:p>
+          <a:p>
+            <a:r>
+              <a:rPr lang="zh-CN" altLang="en-US" dirty="0"/>
               <a:t>师    承：释迦牟尼</a:t>
             </a:r>
-            <a:endParaRPr lang="en-US" altLang="zh-CN"/>
-          </a:p>
-          <a:p>
-            <a:r>
-              <a:rPr lang="zh-CN" altLang="en-US"/>
-              <a:t>应化身：契此（布袋和尚）</a:t>
-            </a:r>
-            <a:endParaRPr lang="zh-CN" altLang="en-US" dirty="0"/>
+            <a:endParaRPr lang="en-US" altLang="zh-CN" dirty="0"/>
+          </a:p>
+          <a:p>
+            <a:r>
+              <a:rPr lang="zh-CN" altLang="en-US" dirty="0"/>
+              <a:t>应化身：布袋和尚</a:t>
+            </a:r>
           </a:p>
         </p:txBody>
       </p:sp>
@@ -3056,48 +2889,52 @@
             <p:ph type="body" sz="quarter" idx="18"/>
           </p:nvPr>
         </p:nvSpPr>
-        <p:spPr/>
+        <p:spPr>
+          <a:xfrm>
+            <a:off x="2636195" y="3202098"/>
+            <a:ext cx="8828209" cy="3161589"/>
+          </a:xfrm>
+        </p:spPr>
         <p:txBody>
           <a:bodyPr/>
           <a:lstStyle/>
           <a:p>
             <a:r>
-              <a:rPr lang="zh-CN" altLang="en-US"/>
+              <a:rPr lang="zh-CN" altLang="en-US" dirty="0"/>
               <a:t>时期出典：▪ 大乘经藏▪ 民间杜撰</a:t>
             </a:r>
           </a:p>
           <a:p>
             <a:r>
-              <a:rPr lang="zh-CN" altLang="en-US"/>
+              <a:rPr lang="zh-CN" altLang="en-US" dirty="0"/>
               <a:t>尊号义释：▪ 观世音▪ 观自在</a:t>
             </a:r>
           </a:p>
           <a:p>
             <a:r>
-              <a:rPr lang="zh-CN" altLang="en-US"/>
+              <a:rPr lang="zh-CN" altLang="en-US" dirty="0"/>
               <a:t>观音道场：▪西方极乐世界▪南印度普陀山</a:t>
             </a:r>
-            <a:endParaRPr lang="en-US" altLang="zh-CN"/>
-          </a:p>
-          <a:p>
-            <a:r>
-              <a:rPr lang="zh-CN" altLang="en-US"/>
+            <a:endParaRPr lang="en-US" altLang="zh-CN" dirty="0"/>
+          </a:p>
+          <a:p>
+            <a:r>
+              <a:rPr lang="zh-CN" altLang="en-US" dirty="0"/>
               <a:t>观音身相：▪ 幻化之相▪ 男女之相▪ 无相之相</a:t>
             </a:r>
           </a:p>
           <a:p>
             <a:r>
-              <a:rPr lang="zh-CN" altLang="en-US"/>
+              <a:rPr lang="zh-CN" altLang="en-US" dirty="0"/>
               <a:t>观音法门：▪ 般若观慧门▪ 经忏方便门</a:t>
             </a:r>
-            <a:endParaRPr lang="en-US" altLang="zh-CN"/>
-          </a:p>
-          <a:p>
-            <a:r>
-              <a:rPr lang="zh-CN" altLang="en-US"/>
+            <a:endParaRPr lang="en-US" altLang="zh-CN" dirty="0"/>
+          </a:p>
+          <a:p>
+            <a:r>
+              <a:rPr lang="zh-CN" altLang="en-US" dirty="0"/>
               <a:t>行慈运悲：▪ 劝念观音▪ 劝行大悲▪ 佛法根本</a:t>
             </a:r>
-            <a:endParaRPr lang="zh-CN" altLang="en-US" dirty="0"/>
           </a:p>
         </p:txBody>
       </p:sp>
@@ -3141,7 +2978,12 @@
             <a:fillRect/>
           </a:stretch>
         </p:blipFill>
-        <p:spPr/>
+        <p:spPr>
+          <a:xfrm>
+            <a:off x="10471517" y="4780949"/>
+            <a:ext cx="1582737" cy="1582738"/>
+          </a:xfrm>
+        </p:spPr>
       </p:pic>
     </p:spTree>
     <p:extLst>
@@ -3239,20 +3081,6 @@
           <a:p>
             <a:r>
               <a:rPr lang="zh-CN" altLang="en-US" dirty="0"/>
-              <a:t>外文名：</a:t>
-            </a:r>
-            <a:r>
-              <a:rPr lang="en-US" altLang="zh-CN" dirty="0" err="1"/>
-              <a:t>Erlang</a:t>
-            </a:r>
-            <a:r>
-              <a:rPr lang="en-US" altLang="zh-CN" dirty="0"/>
-              <a:t> God </a:t>
-            </a:r>
-          </a:p>
-          <a:p>
-            <a:r>
-              <a:rPr lang="zh-CN" altLang="en-US" dirty="0"/>
               <a:t>主要成就：二郎擒孽龙，斩蛟治水，担山赶日，</a:t>
             </a:r>
             <a:endParaRPr lang="en-US" altLang="zh-CN" dirty="0"/>
@@ -3410,58 +3238,62 @@
             <p:ph type="body" sz="quarter" idx="18"/>
           </p:nvPr>
         </p:nvSpPr>
-        <p:spPr/>
+        <p:spPr>
+          <a:xfrm>
+            <a:off x="2733676" y="3142760"/>
+            <a:ext cx="8828209" cy="3222872"/>
+          </a:xfrm>
+        </p:spPr>
         <p:txBody>
           <a:bodyPr/>
           <a:lstStyle/>
           <a:p>
             <a:r>
-              <a:rPr lang="zh-CN" altLang="en-US"/>
+              <a:rPr lang="zh-CN" altLang="en-US" dirty="0"/>
               <a:t>中文名：六耳猕猴</a:t>
             </a:r>
-            <a:endParaRPr lang="en-US" altLang="zh-CN"/>
-          </a:p>
-          <a:p>
-            <a:r>
-              <a:rPr lang="zh-CN" altLang="en-US"/>
+            <a:endParaRPr lang="en-US" altLang="zh-CN" dirty="0"/>
+          </a:p>
+          <a:p>
+            <a:r>
+              <a:rPr lang="zh-CN" altLang="en-US" dirty="0"/>
               <a:t>别    名：久炼千灵缩地精</a:t>
             </a:r>
-            <a:endParaRPr lang="en-US" altLang="zh-CN"/>
-          </a:p>
-          <a:p>
-            <a:r>
-              <a:rPr lang="zh-CN" altLang="en-US"/>
+            <a:endParaRPr lang="en-US" altLang="zh-CN" dirty="0"/>
+          </a:p>
+          <a:p>
+            <a:r>
+              <a:rPr lang="zh-CN" altLang="en-US" dirty="0"/>
               <a:t>主要成就：大战孙悟空不分胜负，</a:t>
             </a:r>
             <a:br>
-              <a:rPr lang="en-US" altLang="zh-CN"/>
+              <a:rPr lang="en-US" altLang="zh-CN" dirty="0"/>
             </a:br>
             <a:r>
-              <a:rPr lang="zh-CN" altLang="en-US"/>
+              <a:rPr lang="zh-CN" altLang="en-US" dirty="0"/>
               <a:t>变成孙悟空的模样，众神明分辨不出。</a:t>
             </a:r>
-            <a:endParaRPr lang="en-US" altLang="zh-CN"/>
-          </a:p>
-          <a:p>
-            <a:r>
-              <a:rPr lang="zh-CN" altLang="en-US"/>
+            <a:endParaRPr lang="en-US" altLang="zh-CN" dirty="0"/>
+          </a:p>
+          <a:p>
+            <a:r>
+              <a:rPr lang="zh-CN" altLang="en-US" dirty="0"/>
               <a:t>事    件：打昏唐僧，抢走行李。</a:t>
             </a:r>
-            <a:endParaRPr lang="en-US" altLang="zh-CN"/>
-          </a:p>
-          <a:p>
-            <a:r>
-              <a:rPr lang="zh-CN" altLang="en-US"/>
+            <a:endParaRPr lang="en-US" altLang="zh-CN" dirty="0"/>
+          </a:p>
+          <a:p>
+            <a:r>
+              <a:rPr lang="zh-CN" altLang="en-US" dirty="0"/>
               <a:t>兵    器：随心铁杆兵</a:t>
             </a:r>
-            <a:endParaRPr lang="en-US" altLang="zh-CN"/>
-          </a:p>
-          <a:p>
-            <a:r>
-              <a:rPr lang="zh-CN" altLang="en-US"/>
+            <a:endParaRPr lang="en-US" altLang="zh-CN" dirty="0"/>
+          </a:p>
+          <a:p>
+            <a:r>
+              <a:rPr lang="zh-CN" altLang="en-US" dirty="0"/>
               <a:t>技    能：与孙悟空一般无二</a:t>
             </a:r>
-            <a:endParaRPr lang="zh-CN" altLang="en-US" dirty="0"/>
           </a:p>
         </p:txBody>
       </p:sp>
